--- a/day 13/SAC_Training Day 13.pptx
+++ b/day 13/SAC_Training Day 13.pptx
@@ -6,7 +6,7 @@
     <p:sldMasterId id="2147483660" r:id="rId2"/>
   </p:sldMasterIdLst>
   <p:notesMasterIdLst>
-    <p:notesMasterId r:id="rId19"/>
+    <p:notesMasterId r:id="rId20"/>
   </p:notesMasterIdLst>
   <p:sldIdLst>
     <p:sldId id="256" r:id="rId3"/>
@@ -19,12 +19,13 @@
     <p:sldId id="491" r:id="rId10"/>
     <p:sldId id="492" r:id="rId11"/>
     <p:sldId id="493" r:id="rId12"/>
-    <p:sldId id="486" r:id="rId13"/>
-    <p:sldId id="496" r:id="rId14"/>
-    <p:sldId id="462" r:id="rId15"/>
-    <p:sldId id="475" r:id="rId16"/>
-    <p:sldId id="399" r:id="rId17"/>
-    <p:sldId id="409" r:id="rId18"/>
+    <p:sldId id="497" r:id="rId13"/>
+    <p:sldId id="486" r:id="rId14"/>
+    <p:sldId id="496" r:id="rId15"/>
+    <p:sldId id="462" r:id="rId16"/>
+    <p:sldId id="475" r:id="rId17"/>
+    <p:sldId id="399" r:id="rId18"/>
+    <p:sldId id="409" r:id="rId19"/>
   </p:sldIdLst>
   <p:sldSz cx="12192000" cy="6858000"/>
   <p:notesSz cx="6858000" cy="9144000"/>
@@ -2231,7 +2232,7 @@
                 <a:tabLst/>
                 <a:defRPr/>
               </a:pPr>
-              <a:t>16</a:t>
+              <a:t>17</a:t>
             </a:fld>
             <a:endParaRPr kumimoji="0" lang="en-US" sz="1200" b="0" i="0" u="none" strike="noStrike" kern="1200" cap="none" spc="0" normalizeH="0" baseline="0" noProof="0">
               <a:ln>
@@ -11479,6 +11480,145 @@
       </p:grpSpPr>
       <p:sp>
         <p:nvSpPr>
+          <p:cNvPr id="2" name="Title 1">
+            <a:extLst>
+              <a:ext uri="{FF2B5EF4-FFF2-40B4-BE49-F238E27FC236}">
+                <a16:creationId xmlns:a16="http://schemas.microsoft.com/office/drawing/2014/main" id="{438AF3BA-FF74-43EB-BA79-E42EE6A5278A}"/>
+              </a:ext>
+            </a:extLst>
+          </p:cNvPr>
+          <p:cNvSpPr>
+            <a:spLocks noGrp="1"/>
+          </p:cNvSpPr>
+          <p:nvPr>
+            <p:ph type="title"/>
+          </p:nvPr>
+        </p:nvSpPr>
+        <p:spPr/>
+        <p:txBody>
+          <a:bodyPr/>
+          <a:lstStyle/>
+          <a:p>
+            <a:r>
+              <a:rPr lang="en-US" dirty="0"/>
+              <a:t>Acquire Data Connection</a:t>
+            </a:r>
+          </a:p>
+        </p:txBody>
+      </p:sp>
+      <p:sp>
+        <p:nvSpPr>
+          <p:cNvPr id="3" name="Content Placeholder 2">
+            <a:extLst>
+              <a:ext uri="{FF2B5EF4-FFF2-40B4-BE49-F238E27FC236}">
+                <a16:creationId xmlns:a16="http://schemas.microsoft.com/office/drawing/2014/main" id="{567C25F9-1FB2-4372-A4F5-7396DE74ED8F}"/>
+              </a:ext>
+            </a:extLst>
+          </p:cNvPr>
+          <p:cNvSpPr>
+            <a:spLocks noGrp="1"/>
+          </p:cNvSpPr>
+          <p:nvPr>
+            <p:ph sz="quarter" idx="13"/>
+          </p:nvPr>
+        </p:nvSpPr>
+        <p:spPr/>
+        <p:txBody>
+          <a:bodyPr/>
+          <a:lstStyle/>
+          <a:p>
+            <a:pPr marL="457200" indent="-457200">
+              <a:buAutoNum type="arabicPeriod"/>
+            </a:pPr>
+            <a:r>
+              <a:rPr lang="en-US" dirty="0"/>
+              <a:t>Create a CDS View</a:t>
+            </a:r>
+          </a:p>
+          <a:p>
+            <a:pPr marL="457200" indent="-457200">
+              <a:buAutoNum type="arabicPeriod"/>
+            </a:pPr>
+            <a:r>
+              <a:rPr lang="en-US" dirty="0"/>
+              <a:t>Activate</a:t>
+            </a:r>
+          </a:p>
+          <a:p>
+            <a:pPr marL="457200" indent="-457200">
+              <a:buAutoNum type="arabicPeriod"/>
+            </a:pPr>
+            <a:r>
+              <a:rPr lang="en-US" dirty="0"/>
+              <a:t>Activate </a:t>
+            </a:r>
+            <a:r>
+              <a:rPr lang="en-US" dirty="0" err="1"/>
+              <a:t>Odata</a:t>
+            </a:r>
+            <a:r>
+              <a:rPr lang="en-US" dirty="0"/>
+              <a:t> service</a:t>
+            </a:r>
+          </a:p>
+          <a:p>
+            <a:pPr marL="457200" indent="-457200">
+              <a:buAutoNum type="arabicPeriod"/>
+            </a:pPr>
+            <a:r>
+              <a:rPr lang="en-US" dirty="0"/>
+              <a:t>Create an Acquire data connection</a:t>
+            </a:r>
+          </a:p>
+          <a:p>
+            <a:pPr marL="457200" indent="-457200">
+              <a:buAutoNum type="arabicPeriod"/>
+            </a:pPr>
+            <a:r>
+              <a:rPr lang="en-US" dirty="0"/>
+              <a:t>Pull all data from system and show in a dashboard</a:t>
+            </a:r>
+          </a:p>
+          <a:p>
+            <a:r>
+              <a:rPr lang="en-US"/>
+              <a:t>Sales</a:t>
+            </a:r>
+          </a:p>
+        </p:txBody>
+      </p:sp>
+    </p:spTree>
+    <p:extLst>
+      <p:ext uri="{BB962C8B-B14F-4D97-AF65-F5344CB8AC3E}">
+        <p14:creationId xmlns:p14="http://schemas.microsoft.com/office/powerpoint/2010/main" val="1525099845"/>
+      </p:ext>
+    </p:extLst>
+  </p:cSld>
+  <p:clrMapOvr>
+    <a:masterClrMapping/>
+  </p:clrMapOvr>
+</p:sld>
+</file>
+
+<file path=ppt/slides/slide12.xml><?xml version="1.0" encoding="utf-8"?>
+<p:sld xmlns:a="http://schemas.openxmlformats.org/drawingml/2006/main" xmlns:r="http://schemas.openxmlformats.org/officeDocument/2006/relationships" xmlns:p="http://schemas.openxmlformats.org/presentationml/2006/main">
+  <p:cSld>
+    <p:spTree>
+      <p:nvGrpSpPr>
+        <p:cNvPr id="1" name=""/>
+        <p:cNvGrpSpPr/>
+        <p:nvPr/>
+      </p:nvGrpSpPr>
+      <p:grpSpPr>
+        <a:xfrm>
+          <a:off x="0" y="0"/>
+          <a:ext cx="0" cy="0"/>
+          <a:chOff x="0" y="0"/>
+          <a:chExt cx="0" cy="0"/>
+        </a:xfrm>
+      </p:grpSpPr>
+      <p:sp>
+        <p:nvSpPr>
           <p:cNvPr id="11" name="Title 10"/>
           <p:cNvSpPr>
             <a:spLocks noGrp="1"/>
@@ -11685,98 +11825,6 @@
 </p:sld>
 </file>
 
-<file path=ppt/slides/slide12.xml><?xml version="1.0" encoding="utf-8"?>
-<p:sld xmlns:a="http://schemas.openxmlformats.org/drawingml/2006/main" xmlns:r="http://schemas.openxmlformats.org/officeDocument/2006/relationships" xmlns:p="http://schemas.openxmlformats.org/presentationml/2006/main">
-  <p:cSld>
-    <p:spTree>
-      <p:nvGrpSpPr>
-        <p:cNvPr id="1" name=""/>
-        <p:cNvGrpSpPr/>
-        <p:nvPr/>
-      </p:nvGrpSpPr>
-      <p:grpSpPr>
-        <a:xfrm>
-          <a:off x="0" y="0"/>
-          <a:ext cx="0" cy="0"/>
-          <a:chOff x="0" y="0"/>
-          <a:chExt cx="0" cy="0"/>
-        </a:xfrm>
-      </p:grpSpPr>
-      <p:sp>
-        <p:nvSpPr>
-          <p:cNvPr id="2" name="Title 1">
-            <a:extLst>
-              <a:ext uri="{FF2B5EF4-FFF2-40B4-BE49-F238E27FC236}">
-                <a16:creationId xmlns:a16="http://schemas.microsoft.com/office/drawing/2014/main" id="{F8E836B1-B755-4B4F-BA86-FDFB8ABC0BE7}"/>
-              </a:ext>
-            </a:extLst>
-          </p:cNvPr>
-          <p:cNvSpPr>
-            <a:spLocks noGrp="1"/>
-          </p:cNvSpPr>
-          <p:nvPr>
-            <p:ph type="title"/>
-          </p:nvPr>
-        </p:nvSpPr>
-        <p:spPr/>
-        <p:txBody>
-          <a:bodyPr/>
-          <a:lstStyle/>
-          <a:p>
-            <a:r>
-              <a:rPr lang="en-US" dirty="0"/>
-              <a:t>Feedback Link</a:t>
-            </a:r>
-          </a:p>
-        </p:txBody>
-      </p:sp>
-      <p:sp>
-        <p:nvSpPr>
-          <p:cNvPr id="3" name="Content Placeholder 2">
-            <a:extLst>
-              <a:ext uri="{FF2B5EF4-FFF2-40B4-BE49-F238E27FC236}">
-                <a16:creationId xmlns:a16="http://schemas.microsoft.com/office/drawing/2014/main" id="{825CCFA5-DC14-4456-9B46-28BC401E20C2}"/>
-              </a:ext>
-            </a:extLst>
-          </p:cNvPr>
-          <p:cNvSpPr>
-            <a:spLocks noGrp="1"/>
-          </p:cNvSpPr>
-          <p:nvPr>
-            <p:ph sz="quarter" idx="13"/>
-          </p:nvPr>
-        </p:nvSpPr>
-        <p:spPr/>
-        <p:txBody>
-          <a:bodyPr/>
-          <a:lstStyle/>
-          <a:p>
-            <a:r>
-              <a:rPr lang="en-US" dirty="0">
-                <a:hlinkClick r:id="rId2"/>
-              </a:rPr>
-              <a:t>https://feedbackind.vinsys.com/Indiafeedback.html?batch_id%3D483</a:t>
-            </a:r>
-            <a:endParaRPr lang="en-US" dirty="0"/>
-          </a:p>
-          <a:p>
-            <a:endParaRPr lang="en-US" dirty="0"/>
-          </a:p>
-        </p:txBody>
-      </p:sp>
-    </p:spTree>
-    <p:extLst>
-      <p:ext uri="{BB962C8B-B14F-4D97-AF65-F5344CB8AC3E}">
-        <p14:creationId xmlns:p14="http://schemas.microsoft.com/office/powerpoint/2010/main" val="1211043117"/>
-      </p:ext>
-    </p:extLst>
-  </p:cSld>
-  <p:clrMapOvr>
-    <a:masterClrMapping/>
-  </p:clrMapOvr>
-</p:sld>
-</file>
-
 <file path=ppt/slides/slide13.xml><?xml version="1.0" encoding="utf-8"?>
 <p:sld xmlns:a="http://schemas.openxmlformats.org/drawingml/2006/main" xmlns:r="http://schemas.openxmlformats.org/officeDocument/2006/relationships" xmlns:p="http://schemas.openxmlformats.org/presentationml/2006/main">
   <p:cSld>
@@ -11796,92 +11844,70 @@
       </p:grpSpPr>
       <p:sp>
         <p:nvSpPr>
-          <p:cNvPr id="2" name="Title 3">
+          <p:cNvPr id="2" name="Title 1">
             <a:extLst>
               <a:ext uri="{FF2B5EF4-FFF2-40B4-BE49-F238E27FC236}">
-                <a16:creationId xmlns:a16="http://schemas.microsoft.com/office/drawing/2014/main" id="{F07FC580-E2AB-4C55-8C95-D5E077A1D127}"/>
+                <a16:creationId xmlns:a16="http://schemas.microsoft.com/office/drawing/2014/main" id="{F8E836B1-B755-4B4F-BA86-FDFB8ABC0BE7}"/>
               </a:ext>
             </a:extLst>
           </p:cNvPr>
-          <p:cNvSpPr txBox="1">
-            <a:spLocks/>
-          </p:cNvSpPr>
-          <p:nvPr/>
-        </p:nvSpPr>
-        <p:spPr>
-          <a:xfrm>
-            <a:off x="261764" y="188640"/>
-            <a:ext cx="11292008" cy="711081"/>
-          </a:xfrm>
-          <a:prstGeom prst="rect">
-            <a:avLst/>
-          </a:prstGeom>
-        </p:spPr>
+          <p:cNvSpPr>
+            <a:spLocks noGrp="1"/>
+          </p:cNvSpPr>
+          <p:nvPr>
+            <p:ph type="title"/>
+          </p:nvPr>
+        </p:nvSpPr>
+        <p:spPr/>
         <p:txBody>
           <a:bodyPr/>
-          <a:lstStyle>
-            <a:lvl1pPr algn="l" defTabSz="914400" rtl="0" eaLnBrk="1" latinLnBrk="0" hangingPunct="1">
-              <a:lnSpc>
-                <a:spcPct val="90000"/>
-              </a:lnSpc>
-              <a:spcBef>
-                <a:spcPct val="0"/>
-              </a:spcBef>
-              <a:buNone/>
-              <a:defRPr sz="4400" kern="1200">
-                <a:solidFill>
-                  <a:schemeClr val="tx1"/>
-                </a:solidFill>
-                <a:latin typeface="+mj-lt"/>
-                <a:ea typeface="+mj-ea"/>
-                <a:cs typeface="+mj-cs"/>
-              </a:defRPr>
-            </a:lvl1pPr>
-          </a:lstStyle>
-          <a:p>
-            <a:endParaRPr lang="en-US" b="1" dirty="0"/>
-          </a:p>
-        </p:txBody>
-      </p:sp>
-      <p:sp>
-        <p:nvSpPr>
-          <p:cNvPr id="7" name="TextBox 6">
+          <a:lstStyle/>
+          <a:p>
+            <a:r>
+              <a:rPr lang="en-US" dirty="0"/>
+              <a:t>Feedback Link</a:t>
+            </a:r>
+          </a:p>
+        </p:txBody>
+      </p:sp>
+      <p:sp>
+        <p:nvSpPr>
+          <p:cNvPr id="3" name="Content Placeholder 2">
             <a:extLst>
               <a:ext uri="{FF2B5EF4-FFF2-40B4-BE49-F238E27FC236}">
-                <a16:creationId xmlns:a16="http://schemas.microsoft.com/office/drawing/2014/main" id="{17EB74BE-8011-4153-8F37-3BEF9C1F4CC0}"/>
+                <a16:creationId xmlns:a16="http://schemas.microsoft.com/office/drawing/2014/main" id="{825CCFA5-DC14-4456-9B46-28BC401E20C2}"/>
               </a:ext>
             </a:extLst>
           </p:cNvPr>
-          <p:cNvSpPr txBox="1"/>
-          <p:nvPr/>
-        </p:nvSpPr>
-        <p:spPr>
-          <a:xfrm>
-            <a:off x="3512128" y="2507734"/>
-            <a:ext cx="6174508" cy="1323439"/>
-          </a:xfrm>
-          <a:prstGeom prst="rect">
-            <a:avLst/>
-          </a:prstGeom>
-          <a:noFill/>
-        </p:spPr>
-        <p:txBody>
-          <a:bodyPr wrap="square">
-            <a:spAutoFit/>
-          </a:bodyPr>
+          <p:cNvSpPr>
+            <a:spLocks noGrp="1"/>
+          </p:cNvSpPr>
+          <p:nvPr>
+            <p:ph sz="quarter" idx="13"/>
+          </p:nvPr>
+        </p:nvSpPr>
+        <p:spPr/>
+        <p:txBody>
+          <a:bodyPr/>
           <a:lstStyle/>
           <a:p>
             <a:r>
-              <a:rPr lang="en-US" sz="8000" b="1" dirty="0"/>
-              <a:t>End of Day 13</a:t>
-            </a:r>
+              <a:rPr lang="en-US" dirty="0">
+                <a:hlinkClick r:id="rId2"/>
+              </a:rPr>
+              <a:t>https://feedbackind.vinsys.com/Indiafeedback.html?batch_id%3D483</a:t>
+            </a:r>
+            <a:endParaRPr lang="en-US" dirty="0"/>
+          </a:p>
+          <a:p>
+            <a:endParaRPr lang="en-US" dirty="0"/>
           </a:p>
         </p:txBody>
       </p:sp>
     </p:spTree>
     <p:extLst>
       <p:ext uri="{BB962C8B-B14F-4D97-AF65-F5344CB8AC3E}">
-        <p14:creationId xmlns:p14="http://schemas.microsoft.com/office/powerpoint/2010/main" val="3867772902"/>
+        <p14:creationId xmlns:p14="http://schemas.microsoft.com/office/powerpoint/2010/main" val="1211043117"/>
       </p:ext>
     </p:extLst>
   </p:cSld>
@@ -11910,6 +11936,120 @@
       </p:grpSpPr>
       <p:sp>
         <p:nvSpPr>
+          <p:cNvPr id="2" name="Title 3">
+            <a:extLst>
+              <a:ext uri="{FF2B5EF4-FFF2-40B4-BE49-F238E27FC236}">
+                <a16:creationId xmlns:a16="http://schemas.microsoft.com/office/drawing/2014/main" id="{F07FC580-E2AB-4C55-8C95-D5E077A1D127}"/>
+              </a:ext>
+            </a:extLst>
+          </p:cNvPr>
+          <p:cNvSpPr txBox="1">
+            <a:spLocks/>
+          </p:cNvSpPr>
+          <p:nvPr/>
+        </p:nvSpPr>
+        <p:spPr>
+          <a:xfrm>
+            <a:off x="261764" y="188640"/>
+            <a:ext cx="11292008" cy="711081"/>
+          </a:xfrm>
+          <a:prstGeom prst="rect">
+            <a:avLst/>
+          </a:prstGeom>
+        </p:spPr>
+        <p:txBody>
+          <a:bodyPr/>
+          <a:lstStyle>
+            <a:lvl1pPr algn="l" defTabSz="914400" rtl="0" eaLnBrk="1" latinLnBrk="0" hangingPunct="1">
+              <a:lnSpc>
+                <a:spcPct val="90000"/>
+              </a:lnSpc>
+              <a:spcBef>
+                <a:spcPct val="0"/>
+              </a:spcBef>
+              <a:buNone/>
+              <a:defRPr sz="4400" kern="1200">
+                <a:solidFill>
+                  <a:schemeClr val="tx1"/>
+                </a:solidFill>
+                <a:latin typeface="+mj-lt"/>
+                <a:ea typeface="+mj-ea"/>
+                <a:cs typeface="+mj-cs"/>
+              </a:defRPr>
+            </a:lvl1pPr>
+          </a:lstStyle>
+          <a:p>
+            <a:endParaRPr lang="en-US" b="1" dirty="0"/>
+          </a:p>
+        </p:txBody>
+      </p:sp>
+      <p:sp>
+        <p:nvSpPr>
+          <p:cNvPr id="7" name="TextBox 6">
+            <a:extLst>
+              <a:ext uri="{FF2B5EF4-FFF2-40B4-BE49-F238E27FC236}">
+                <a16:creationId xmlns:a16="http://schemas.microsoft.com/office/drawing/2014/main" id="{17EB74BE-8011-4153-8F37-3BEF9C1F4CC0}"/>
+              </a:ext>
+            </a:extLst>
+          </p:cNvPr>
+          <p:cNvSpPr txBox="1"/>
+          <p:nvPr/>
+        </p:nvSpPr>
+        <p:spPr>
+          <a:xfrm>
+            <a:off x="3512128" y="2507734"/>
+            <a:ext cx="6174508" cy="1323439"/>
+          </a:xfrm>
+          <a:prstGeom prst="rect">
+            <a:avLst/>
+          </a:prstGeom>
+          <a:noFill/>
+        </p:spPr>
+        <p:txBody>
+          <a:bodyPr wrap="square">
+            <a:spAutoFit/>
+          </a:bodyPr>
+          <a:lstStyle/>
+          <a:p>
+            <a:r>
+              <a:rPr lang="en-US" sz="8000" b="1" dirty="0"/>
+              <a:t>End of Day 13</a:t>
+            </a:r>
+          </a:p>
+        </p:txBody>
+      </p:sp>
+    </p:spTree>
+    <p:extLst>
+      <p:ext uri="{BB962C8B-B14F-4D97-AF65-F5344CB8AC3E}">
+        <p14:creationId xmlns:p14="http://schemas.microsoft.com/office/powerpoint/2010/main" val="3867772902"/>
+      </p:ext>
+    </p:extLst>
+  </p:cSld>
+  <p:clrMapOvr>
+    <a:masterClrMapping/>
+  </p:clrMapOvr>
+</p:sld>
+</file>
+
+<file path=ppt/slides/slide15.xml><?xml version="1.0" encoding="utf-8"?>
+<p:sld xmlns:a="http://schemas.openxmlformats.org/drawingml/2006/main" xmlns:r="http://schemas.openxmlformats.org/officeDocument/2006/relationships" xmlns:p="http://schemas.openxmlformats.org/presentationml/2006/main">
+  <p:cSld>
+    <p:spTree>
+      <p:nvGrpSpPr>
+        <p:cNvPr id="1" name=""/>
+        <p:cNvGrpSpPr/>
+        <p:nvPr/>
+      </p:nvGrpSpPr>
+      <p:grpSpPr>
+        <a:xfrm>
+          <a:off x="0" y="0"/>
+          <a:ext cx="0" cy="0"/>
+          <a:chOff x="0" y="0"/>
+          <a:chExt cx="0" cy="0"/>
+        </a:xfrm>
+      </p:grpSpPr>
+      <p:sp>
+        <p:nvSpPr>
           <p:cNvPr id="2" name="Title 1">
             <a:extLst>
               <a:ext uri="{FF2B5EF4-FFF2-40B4-BE49-F238E27FC236}">
@@ -11971,7 +12111,7 @@
 </p:sld>
 </file>
 
-<file path=ppt/slides/slide15.xml><?xml version="1.0" encoding="utf-8"?>
+<file path=ppt/slides/slide16.xml><?xml version="1.0" encoding="utf-8"?>
 <p:sld xmlns:a="http://schemas.openxmlformats.org/drawingml/2006/main" xmlns:r="http://schemas.openxmlformats.org/officeDocument/2006/relationships" xmlns:p="http://schemas.openxmlformats.org/presentationml/2006/main">
   <p:cSld>
     <p:spTree>
@@ -12081,7 +12221,7 @@
 </p:sld>
 </file>
 
-<file path=ppt/slides/slide16.xml><?xml version="1.0" encoding="utf-8"?>
+<file path=ppt/slides/slide17.xml><?xml version="1.0" encoding="utf-8"?>
 <p:sld xmlns:a="http://schemas.openxmlformats.org/drawingml/2006/main" xmlns:r="http://schemas.openxmlformats.org/officeDocument/2006/relationships" xmlns:p="http://schemas.openxmlformats.org/presentationml/2006/main">
   <p:cSld>
     <p:bg>
